--- a/src/sunmin/JAVASCRIPT 기초.pptx
+++ b/src/sunmin/JAVASCRIPT 기초.pptx
@@ -11,9 +11,13 @@
     <p:sldId id="258" r:id="rId5"/>
     <p:sldId id="261" r:id="rId6"/>
     <p:sldId id="262" r:id="rId7"/>
-    <p:sldId id="263" r:id="rId8"/>
-    <p:sldId id="264" r:id="rId9"/>
-    <p:sldId id="260" r:id="rId10"/>
+    <p:sldId id="264" r:id="rId8"/>
+    <p:sldId id="265" r:id="rId9"/>
+    <p:sldId id="268" r:id="rId10"/>
+    <p:sldId id="269" r:id="rId11"/>
+    <p:sldId id="266" r:id="rId12"/>
+    <p:sldId id="267" r:id="rId13"/>
+    <p:sldId id="260" r:id="rId14"/>
   </p:sldIdLst>
   <p:sldSz cx="12192000" cy="6858000"/>
   <p:notesSz cx="6858000" cy="9144000"/>
@@ -251,7 +255,7 @@
           <a:p>
             <a:fld id="{4D64B0A0-3C31-4A26-A47B-78FEBCA93992}" type="datetimeFigureOut">
               <a:rPr lang="ko-KR" altLang="en-US" smtClean="0"/>
-              <a:t>2019-04-10</a:t>
+              <a:t>2019-04-15</a:t>
             </a:fld>
             <a:endParaRPr lang="ko-KR" altLang="en-US"/>
           </a:p>
@@ -421,7 +425,7 @@
           <a:p>
             <a:fld id="{4D64B0A0-3C31-4A26-A47B-78FEBCA93992}" type="datetimeFigureOut">
               <a:rPr lang="ko-KR" altLang="en-US" smtClean="0"/>
-              <a:t>2019-04-10</a:t>
+              <a:t>2019-04-15</a:t>
             </a:fld>
             <a:endParaRPr lang="ko-KR" altLang="en-US"/>
           </a:p>
@@ -601,7 +605,7 @@
           <a:p>
             <a:fld id="{4D64B0A0-3C31-4A26-A47B-78FEBCA93992}" type="datetimeFigureOut">
               <a:rPr lang="ko-KR" altLang="en-US" smtClean="0"/>
-              <a:t>2019-04-10</a:t>
+              <a:t>2019-04-15</a:t>
             </a:fld>
             <a:endParaRPr lang="ko-KR" altLang="en-US"/>
           </a:p>
@@ -771,7 +775,7 @@
           <a:p>
             <a:fld id="{4D64B0A0-3C31-4A26-A47B-78FEBCA93992}" type="datetimeFigureOut">
               <a:rPr lang="ko-KR" altLang="en-US" smtClean="0"/>
-              <a:t>2019-04-10</a:t>
+              <a:t>2019-04-15</a:t>
             </a:fld>
             <a:endParaRPr lang="ko-KR" altLang="en-US"/>
           </a:p>
@@ -1017,7 +1021,7 @@
           <a:p>
             <a:fld id="{4D64B0A0-3C31-4A26-A47B-78FEBCA93992}" type="datetimeFigureOut">
               <a:rPr lang="ko-KR" altLang="en-US" smtClean="0"/>
-              <a:t>2019-04-10</a:t>
+              <a:t>2019-04-15</a:t>
             </a:fld>
             <a:endParaRPr lang="ko-KR" altLang="en-US"/>
           </a:p>
@@ -1249,7 +1253,7 @@
           <a:p>
             <a:fld id="{4D64B0A0-3C31-4A26-A47B-78FEBCA93992}" type="datetimeFigureOut">
               <a:rPr lang="ko-KR" altLang="en-US" smtClean="0"/>
-              <a:t>2019-04-10</a:t>
+              <a:t>2019-04-15</a:t>
             </a:fld>
             <a:endParaRPr lang="ko-KR" altLang="en-US"/>
           </a:p>
@@ -1616,7 +1620,7 @@
           <a:p>
             <a:fld id="{4D64B0A0-3C31-4A26-A47B-78FEBCA93992}" type="datetimeFigureOut">
               <a:rPr lang="ko-KR" altLang="en-US" smtClean="0"/>
-              <a:t>2019-04-10</a:t>
+              <a:t>2019-04-15</a:t>
             </a:fld>
             <a:endParaRPr lang="ko-KR" altLang="en-US"/>
           </a:p>
@@ -1734,7 +1738,7 @@
           <a:p>
             <a:fld id="{4D64B0A0-3C31-4A26-A47B-78FEBCA93992}" type="datetimeFigureOut">
               <a:rPr lang="ko-KR" altLang="en-US" smtClean="0"/>
-              <a:t>2019-04-10</a:t>
+              <a:t>2019-04-15</a:t>
             </a:fld>
             <a:endParaRPr lang="ko-KR" altLang="en-US"/>
           </a:p>
@@ -1829,7 +1833,7 @@
           <a:p>
             <a:fld id="{4D64B0A0-3C31-4A26-A47B-78FEBCA93992}" type="datetimeFigureOut">
               <a:rPr lang="ko-KR" altLang="en-US" smtClean="0"/>
-              <a:t>2019-04-10</a:t>
+              <a:t>2019-04-15</a:t>
             </a:fld>
             <a:endParaRPr lang="ko-KR" altLang="en-US"/>
           </a:p>
@@ -2106,7 +2110,7 @@
           <a:p>
             <a:fld id="{4D64B0A0-3C31-4A26-A47B-78FEBCA93992}" type="datetimeFigureOut">
               <a:rPr lang="ko-KR" altLang="en-US" smtClean="0"/>
-              <a:t>2019-04-10</a:t>
+              <a:t>2019-04-15</a:t>
             </a:fld>
             <a:endParaRPr lang="ko-KR" altLang="en-US"/>
           </a:p>
@@ -2359,7 +2363,7 @@
           <a:p>
             <a:fld id="{4D64B0A0-3C31-4A26-A47B-78FEBCA93992}" type="datetimeFigureOut">
               <a:rPr lang="ko-KR" altLang="en-US" smtClean="0"/>
-              <a:t>2019-04-10</a:t>
+              <a:t>2019-04-15</a:t>
             </a:fld>
             <a:endParaRPr lang="ko-KR" altLang="en-US"/>
           </a:p>
@@ -2572,7 +2576,7 @@
           <a:p>
             <a:fld id="{4D64B0A0-3C31-4A26-A47B-78FEBCA93992}" type="datetimeFigureOut">
               <a:rPr lang="ko-KR" altLang="en-US" smtClean="0"/>
-              <a:t>2019-04-10</a:t>
+              <a:t>2019-04-15</a:t>
             </a:fld>
             <a:endParaRPr lang="ko-KR" altLang="en-US"/>
           </a:p>
@@ -3071,6 +3075,414 @@
 </p:sld>
 </file>
 
+<file path=ppt/slides/slide10.xml><?xml version="1.0" encoding="utf-8"?>
+<p:sld xmlns:a="http://schemas.openxmlformats.org/drawingml/2006/main" xmlns:r="http://schemas.openxmlformats.org/officeDocument/2006/relationships" xmlns:p="http://schemas.openxmlformats.org/presentationml/2006/main">
+  <p:cSld>
+    <p:spTree>
+      <p:nvGrpSpPr>
+        <p:cNvPr id="1" name=""/>
+        <p:cNvGrpSpPr/>
+        <p:nvPr/>
+      </p:nvGrpSpPr>
+      <p:grpSpPr>
+        <a:xfrm>
+          <a:off x="0" y="0"/>
+          <a:ext cx="0" cy="0"/>
+          <a:chOff x="0" y="0"/>
+          <a:chExt cx="0" cy="0"/>
+        </a:xfrm>
+      </p:grpSpPr>
+      <p:sp>
+        <p:nvSpPr>
+          <p:cNvPr id="4" name="TextBox 3"/>
+          <p:cNvSpPr txBox="1"/>
+          <p:nvPr/>
+        </p:nvSpPr>
+        <p:spPr>
+          <a:xfrm>
+            <a:off x="553414" y="755928"/>
+            <a:ext cx="9377464" cy="830997"/>
+          </a:xfrm>
+          <a:prstGeom prst="rect">
+            <a:avLst/>
+          </a:prstGeom>
+          <a:noFill/>
+        </p:spPr>
+        <p:txBody>
+          <a:bodyPr wrap="square" rtlCol="0">
+            <a:spAutoFit/>
+          </a:bodyPr>
+          <a:lstStyle/>
+          <a:p>
+            <a:r>
+              <a:rPr lang="en-US" altLang="ko-KR" sz="4800" dirty="0" smtClean="0"/>
+              <a:t>Inner Function(Closures) -2-</a:t>
+            </a:r>
+            <a:endParaRPr lang="ko-KR" altLang="en-US" dirty="0"/>
+          </a:p>
+        </p:txBody>
+      </p:sp>
+      <p:pic>
+        <p:nvPicPr>
+          <p:cNvPr id="2" name="그림 1"/>
+          <p:cNvPicPr>
+            <a:picLocks noChangeAspect="1"/>
+          </p:cNvPicPr>
+          <p:nvPr/>
+        </p:nvPicPr>
+        <p:blipFill>
+          <a:blip r:embed="rId2"/>
+          <a:stretch>
+            <a:fillRect/>
+          </a:stretch>
+        </p:blipFill>
+        <p:spPr>
+          <a:xfrm>
+            <a:off x="553413" y="1586924"/>
+            <a:ext cx="7044419" cy="4417389"/>
+          </a:xfrm>
+          <a:prstGeom prst="rect">
+            <a:avLst/>
+          </a:prstGeom>
+        </p:spPr>
+      </p:pic>
+    </p:spTree>
+    <p:extLst>
+      <p:ext uri="{BB962C8B-B14F-4D97-AF65-F5344CB8AC3E}">
+        <p14:creationId xmlns:p14="http://schemas.microsoft.com/office/powerpoint/2010/main" val="727614321"/>
+      </p:ext>
+    </p:extLst>
+  </p:cSld>
+  <p:clrMapOvr>
+    <a:masterClrMapping/>
+  </p:clrMapOvr>
+  <p:timing>
+    <p:tnLst>
+      <p:par>
+        <p:cTn id="1" dur="indefinite" restart="never" nodeType="tmRoot"/>
+      </p:par>
+    </p:tnLst>
+  </p:timing>
+</p:sld>
+</file>
+
+<file path=ppt/slides/slide11.xml><?xml version="1.0" encoding="utf-8"?>
+<p:sld xmlns:a="http://schemas.openxmlformats.org/drawingml/2006/main" xmlns:r="http://schemas.openxmlformats.org/officeDocument/2006/relationships" xmlns:p="http://schemas.openxmlformats.org/presentationml/2006/main">
+  <p:cSld>
+    <p:spTree>
+      <p:nvGrpSpPr>
+        <p:cNvPr id="1" name=""/>
+        <p:cNvGrpSpPr/>
+        <p:nvPr/>
+      </p:nvGrpSpPr>
+      <p:grpSpPr>
+        <a:xfrm>
+          <a:off x="0" y="0"/>
+          <a:ext cx="0" cy="0"/>
+          <a:chOff x="0" y="0"/>
+          <a:chExt cx="0" cy="0"/>
+        </a:xfrm>
+      </p:grpSpPr>
+      <p:pic>
+        <p:nvPicPr>
+          <p:cNvPr id="5" name="그림 4"/>
+          <p:cNvPicPr>
+            <a:picLocks noChangeAspect="1"/>
+          </p:cNvPicPr>
+          <p:nvPr/>
+        </p:nvPicPr>
+        <p:blipFill>
+          <a:blip r:embed="rId2"/>
+          <a:stretch>
+            <a:fillRect/>
+          </a:stretch>
+        </p:blipFill>
+        <p:spPr>
+          <a:xfrm>
+            <a:off x="553413" y="1586924"/>
+            <a:ext cx="6828289" cy="4996755"/>
+          </a:xfrm>
+          <a:prstGeom prst="rect">
+            <a:avLst/>
+          </a:prstGeom>
+        </p:spPr>
+      </p:pic>
+      <p:sp>
+        <p:nvSpPr>
+          <p:cNvPr id="6" name="TextBox 5"/>
+          <p:cNvSpPr txBox="1"/>
+          <p:nvPr/>
+        </p:nvSpPr>
+        <p:spPr>
+          <a:xfrm>
+            <a:off x="553414" y="755928"/>
+            <a:ext cx="9377464" cy="830997"/>
+          </a:xfrm>
+          <a:prstGeom prst="rect">
+            <a:avLst/>
+          </a:prstGeom>
+          <a:noFill/>
+        </p:spPr>
+        <p:txBody>
+          <a:bodyPr wrap="square" rtlCol="0">
+            <a:spAutoFit/>
+          </a:bodyPr>
+          <a:lstStyle/>
+          <a:p>
+            <a:r>
+              <a:rPr lang="en-US" altLang="ko-KR" sz="4800" dirty="0" smtClean="0"/>
+              <a:t>Inner Function(Closures) -3-</a:t>
+            </a:r>
+            <a:endParaRPr lang="ko-KR" altLang="en-US" dirty="0"/>
+          </a:p>
+        </p:txBody>
+      </p:sp>
+    </p:spTree>
+    <p:extLst>
+      <p:ext uri="{BB962C8B-B14F-4D97-AF65-F5344CB8AC3E}">
+        <p14:creationId xmlns:p14="http://schemas.microsoft.com/office/powerpoint/2010/main" val="3824760610"/>
+      </p:ext>
+    </p:extLst>
+  </p:cSld>
+  <p:clrMapOvr>
+    <a:masterClrMapping/>
+  </p:clrMapOvr>
+  <p:timing>
+    <p:tnLst>
+      <p:par>
+        <p:cTn id="1" dur="indefinite" restart="never" nodeType="tmRoot"/>
+      </p:par>
+    </p:tnLst>
+  </p:timing>
+</p:sld>
+</file>
+
+<file path=ppt/slides/slide12.xml><?xml version="1.0" encoding="utf-8"?>
+<p:sld xmlns:a="http://schemas.openxmlformats.org/drawingml/2006/main" xmlns:r="http://schemas.openxmlformats.org/officeDocument/2006/relationships" xmlns:p="http://schemas.openxmlformats.org/presentationml/2006/main">
+  <p:cSld>
+    <p:spTree>
+      <p:nvGrpSpPr>
+        <p:cNvPr id="1" name=""/>
+        <p:cNvGrpSpPr/>
+        <p:nvPr/>
+      </p:nvGrpSpPr>
+      <p:grpSpPr>
+        <a:xfrm>
+          <a:off x="0" y="0"/>
+          <a:ext cx="0" cy="0"/>
+          <a:chOff x="0" y="0"/>
+          <a:chExt cx="0" cy="0"/>
+        </a:xfrm>
+      </p:grpSpPr>
+      <p:pic>
+        <p:nvPicPr>
+          <p:cNvPr id="2" name="그림 1"/>
+          <p:cNvPicPr>
+            <a:picLocks noChangeAspect="1"/>
+          </p:cNvPicPr>
+          <p:nvPr/>
+        </p:nvPicPr>
+        <p:blipFill>
+          <a:blip r:embed="rId2"/>
+          <a:stretch>
+            <a:fillRect/>
+          </a:stretch>
+        </p:blipFill>
+        <p:spPr>
+          <a:xfrm>
+            <a:off x="553414" y="1774679"/>
+            <a:ext cx="5649238" cy="3562092"/>
+          </a:xfrm>
+          <a:prstGeom prst="rect">
+            <a:avLst/>
+          </a:prstGeom>
+        </p:spPr>
+      </p:pic>
+      <p:pic>
+        <p:nvPicPr>
+          <p:cNvPr id="5" name="그림 4"/>
+          <p:cNvPicPr>
+            <a:picLocks noChangeAspect="1"/>
+          </p:cNvPicPr>
+          <p:nvPr/>
+        </p:nvPicPr>
+        <p:blipFill>
+          <a:blip r:embed="rId3"/>
+          <a:stretch>
+            <a:fillRect/>
+          </a:stretch>
+        </p:blipFill>
+        <p:spPr>
+          <a:xfrm>
+            <a:off x="6398029" y="1774678"/>
+            <a:ext cx="5115526" cy="3462340"/>
+          </a:xfrm>
+          <a:prstGeom prst="rect">
+            <a:avLst/>
+          </a:prstGeom>
+        </p:spPr>
+      </p:pic>
+      <p:sp>
+        <p:nvSpPr>
+          <p:cNvPr id="6" name="TextBox 5"/>
+          <p:cNvSpPr txBox="1"/>
+          <p:nvPr/>
+        </p:nvSpPr>
+        <p:spPr>
+          <a:xfrm>
+            <a:off x="553414" y="755928"/>
+            <a:ext cx="9377464" cy="830997"/>
+          </a:xfrm>
+          <a:prstGeom prst="rect">
+            <a:avLst/>
+          </a:prstGeom>
+          <a:noFill/>
+        </p:spPr>
+        <p:txBody>
+          <a:bodyPr wrap="square" rtlCol="0">
+            <a:spAutoFit/>
+          </a:bodyPr>
+          <a:lstStyle/>
+          <a:p>
+            <a:r>
+              <a:rPr lang="en-US" altLang="ko-KR" sz="4800" dirty="0" smtClean="0"/>
+              <a:t>Inner Function(Closures) -4-</a:t>
+            </a:r>
+            <a:endParaRPr lang="ko-KR" altLang="en-US" dirty="0"/>
+          </a:p>
+        </p:txBody>
+      </p:sp>
+    </p:spTree>
+    <p:extLst>
+      <p:ext uri="{BB962C8B-B14F-4D97-AF65-F5344CB8AC3E}">
+        <p14:creationId xmlns:p14="http://schemas.microsoft.com/office/powerpoint/2010/main" val="3996369121"/>
+      </p:ext>
+    </p:extLst>
+  </p:cSld>
+  <p:clrMapOvr>
+    <a:masterClrMapping/>
+  </p:clrMapOvr>
+  <p:timing>
+    <p:tnLst>
+      <p:par>
+        <p:cTn id="1" dur="indefinite" restart="never" nodeType="tmRoot"/>
+      </p:par>
+    </p:tnLst>
+  </p:timing>
+</p:sld>
+</file>
+
+<file path=ppt/slides/slide13.xml><?xml version="1.0" encoding="utf-8"?>
+<p:sld xmlns:a="http://schemas.openxmlformats.org/drawingml/2006/main" xmlns:r="http://schemas.openxmlformats.org/officeDocument/2006/relationships" xmlns:p="http://schemas.openxmlformats.org/presentationml/2006/main">
+  <p:cSld>
+    <p:bg>
+      <p:bgPr>
+        <a:solidFill>
+          <a:schemeClr val="bg1"/>
+        </a:solidFill>
+        <a:effectLst/>
+      </p:bgPr>
+    </p:bg>
+    <p:spTree>
+      <p:nvGrpSpPr>
+        <p:cNvPr id="1" name=""/>
+        <p:cNvGrpSpPr/>
+        <p:nvPr/>
+      </p:nvGrpSpPr>
+      <p:grpSpPr>
+        <a:xfrm>
+          <a:off x="0" y="0"/>
+          <a:ext cx="0" cy="0"/>
+          <a:chOff x="0" y="0"/>
+          <a:chExt cx="0" cy="0"/>
+        </a:xfrm>
+      </p:grpSpPr>
+      <p:sp>
+        <p:nvSpPr>
+          <p:cNvPr id="2" name="TextBox 1"/>
+          <p:cNvSpPr txBox="1"/>
+          <p:nvPr/>
+        </p:nvSpPr>
+        <p:spPr>
+          <a:xfrm>
+            <a:off x="496112" y="1391055"/>
+            <a:ext cx="11225718" cy="1200329"/>
+          </a:xfrm>
+          <a:prstGeom prst="rect">
+            <a:avLst/>
+          </a:prstGeom>
+          <a:noFill/>
+        </p:spPr>
+        <p:txBody>
+          <a:bodyPr wrap="square" rtlCol="0">
+            <a:spAutoFit/>
+          </a:bodyPr>
+          <a:lstStyle/>
+          <a:p>
+            <a:r>
+              <a:rPr lang="ko-KR" altLang="en-US" dirty="0" smtClean="0"/>
+              <a:t>참고 사이트 </a:t>
+            </a:r>
+            <a:endParaRPr lang="en-US" altLang="ko-KR" dirty="0" smtClean="0"/>
+          </a:p>
+          <a:p>
+            <a:endParaRPr lang="en-US" altLang="ko-KR" dirty="0" smtClean="0"/>
+          </a:p>
+          <a:p>
+            <a:r>
+              <a:rPr lang="en-US" altLang="ko-KR" b="1" dirty="0" smtClean="0">
+                <a:solidFill>
+                  <a:schemeClr val="bg1"/>
+                </a:solidFill>
+                <a:hlinkClick r:id="rId2"/>
+              </a:rPr>
+              <a:t>Three.js : https://threejs.org/</a:t>
+            </a:r>
+            <a:r>
+              <a:rPr lang="en-US" altLang="ko-KR" b="1" dirty="0">
+                <a:solidFill>
+                  <a:schemeClr val="bg1"/>
+                </a:solidFill>
+              </a:rPr>
+              <a:t> </a:t>
+            </a:r>
+            <a:endParaRPr lang="en-US" altLang="ko-KR" dirty="0"/>
+          </a:p>
+          <a:p>
+            <a:r>
+              <a:rPr lang="en-US" altLang="ko-KR" dirty="0" smtClean="0"/>
+              <a:t>MDN : </a:t>
+            </a:r>
+            <a:r>
+              <a:rPr lang="en-US" altLang="ko-KR" dirty="0" smtClean="0">
+                <a:hlinkClick r:id="rId3"/>
+              </a:rPr>
+              <a:t>https://developer.mozilla.org/enUS/docs/Learn/Getting_started_with_the_web/JavaScript_basics</a:t>
+            </a:r>
+            <a:endParaRPr lang="ko-KR" altLang="en-US" dirty="0"/>
+          </a:p>
+        </p:txBody>
+      </p:sp>
+    </p:spTree>
+    <p:extLst>
+      <p:ext uri="{BB962C8B-B14F-4D97-AF65-F5344CB8AC3E}">
+        <p14:creationId xmlns:p14="http://schemas.microsoft.com/office/powerpoint/2010/main" val="1120675895"/>
+      </p:ext>
+    </p:extLst>
+  </p:cSld>
+  <p:clrMapOvr>
+    <a:masterClrMapping/>
+  </p:clrMapOvr>
+  <p:timing>
+    <p:tnLst>
+      <p:par>
+        <p:cTn id="1" dur="indefinite" restart="never" nodeType="tmRoot"/>
+      </p:par>
+    </p:tnLst>
+  </p:timing>
+</p:sld>
+</file>
+
 <file path=ppt/slides/slide2.xml><?xml version="1.0" encoding="utf-8"?>
 <p:sld xmlns:a="http://schemas.openxmlformats.org/drawingml/2006/main" xmlns:r="http://schemas.openxmlformats.org/officeDocument/2006/relationships" xmlns:p="http://schemas.openxmlformats.org/presentationml/2006/main">
   <p:cSld>
@@ -3380,6 +3792,30 @@
           <a:xfrm>
             <a:off x="4914089" y="2047273"/>
             <a:ext cx="4773559" cy="3941327"/>
+          </a:xfrm>
+          <a:prstGeom prst="rect">
+            <a:avLst/>
+          </a:prstGeom>
+        </p:spPr>
+      </p:pic>
+      <p:pic>
+        <p:nvPicPr>
+          <p:cNvPr id="5" name="그림 4"/>
+          <p:cNvPicPr>
+            <a:picLocks noChangeAspect="1"/>
+          </p:cNvPicPr>
+          <p:nvPr/>
+        </p:nvPicPr>
+        <p:blipFill>
+          <a:blip r:embed="rId4"/>
+          <a:stretch>
+            <a:fillRect/>
+          </a:stretch>
+        </p:blipFill>
+        <p:spPr>
+          <a:xfrm>
+            <a:off x="8644543" y="2047273"/>
+            <a:ext cx="3373249" cy="1759956"/>
           </a:xfrm>
           <a:prstGeom prst="rect">
             <a:avLst/>
@@ -3593,7 +4029,7 @@
         <p:spPr>
           <a:xfrm>
             <a:off x="661481" y="1570300"/>
-            <a:ext cx="3752578" cy="1630100"/>
+            <a:ext cx="3752578" cy="2752318"/>
           </a:xfrm>
           <a:prstGeom prst="rect">
             <a:avLst/>
@@ -3617,7 +4053,7 @@
         <p:spPr>
           <a:xfrm>
             <a:off x="4608541" y="1570299"/>
-            <a:ext cx="3212299" cy="1630101"/>
+            <a:ext cx="3212299" cy="3165522"/>
           </a:xfrm>
           <a:prstGeom prst="rect">
             <a:avLst/>
@@ -3641,7 +4077,7 @@
         <p:spPr>
           <a:xfrm>
             <a:off x="8015322" y="1570299"/>
-            <a:ext cx="3847038" cy="1630101"/>
+            <a:ext cx="3847038" cy="2926886"/>
           </a:xfrm>
           <a:prstGeom prst="rect">
             <a:avLst/>
@@ -3664,7 +4100,7 @@
         </p:blipFill>
         <p:spPr>
           <a:xfrm>
-            <a:off x="661480" y="3573346"/>
+            <a:off x="661480" y="4735821"/>
             <a:ext cx="3752579" cy="1022662"/>
           </a:xfrm>
           <a:prstGeom prst="rect">
@@ -3688,7 +4124,7 @@
         </p:blipFill>
         <p:spPr>
           <a:xfrm>
-            <a:off x="4608541" y="3573346"/>
+            <a:off x="4608540" y="4735821"/>
             <a:ext cx="3212299" cy="1101288"/>
           </a:xfrm>
           <a:prstGeom prst="rect">
@@ -3712,7 +4148,7 @@
         </p:blipFill>
         <p:spPr>
           <a:xfrm>
-            <a:off x="8015322" y="3573346"/>
+            <a:off x="8015320" y="4735821"/>
             <a:ext cx="3847038" cy="1162475"/>
           </a:xfrm>
           <a:prstGeom prst="rect">
@@ -3803,8 +4239,8 @@
         </p:blipFill>
         <p:spPr>
           <a:xfrm>
-            <a:off x="328970" y="1857548"/>
-            <a:ext cx="3233349" cy="1758488"/>
+            <a:off x="66373" y="1857547"/>
+            <a:ext cx="3763500" cy="4348248"/>
           </a:xfrm>
           <a:prstGeom prst="rect">
             <a:avLst/>
@@ -3827,8 +4263,8 @@
         </p:blipFill>
         <p:spPr>
           <a:xfrm>
-            <a:off x="3880831" y="1857548"/>
-            <a:ext cx="3033636" cy="486640"/>
+            <a:off x="3880831" y="1857547"/>
+            <a:ext cx="3033636" cy="802525"/>
           </a:xfrm>
           <a:prstGeom prst="rect">
             <a:avLst/>
@@ -3851,8 +4287,8 @@
         </p:blipFill>
         <p:spPr>
           <a:xfrm>
-            <a:off x="3880831" y="2344188"/>
-            <a:ext cx="3038874" cy="2286000"/>
+            <a:off x="3875593" y="2901140"/>
+            <a:ext cx="3038874" cy="3374968"/>
           </a:xfrm>
           <a:prstGeom prst="rect">
             <a:avLst/>
@@ -3876,7 +4312,7 @@
         <p:spPr>
           <a:xfrm>
             <a:off x="7005907" y="1857548"/>
-            <a:ext cx="4610250" cy="1372727"/>
+            <a:ext cx="4610250" cy="1841616"/>
           </a:xfrm>
           <a:prstGeom prst="rect">
             <a:avLst/>
@@ -3899,8 +4335,8 @@
         </p:blipFill>
         <p:spPr>
           <a:xfrm>
-            <a:off x="7321789" y="3336777"/>
-            <a:ext cx="3614139" cy="2049088"/>
+            <a:off x="7313476" y="3893729"/>
+            <a:ext cx="3614139" cy="2382379"/>
           </a:xfrm>
           <a:prstGeom prst="rect">
             <a:avLst/>
@@ -3968,7 +4404,7 @@
           <a:p>
             <a:r>
               <a:rPr lang="en-US" altLang="ko-KR" sz="4800" dirty="0" smtClean="0"/>
-              <a:t>FOR</a:t>
+              <a:t>while</a:t>
             </a:r>
             <a:endParaRPr lang="ko-KR" altLang="en-US" dirty="0"/>
           </a:p>
@@ -3976,7 +4412,7 @@
       </p:sp>
       <p:pic>
         <p:nvPicPr>
-          <p:cNvPr id="2" name="그림 1"/>
+          <p:cNvPr id="3" name="그림 2"/>
           <p:cNvPicPr>
             <a:picLocks noChangeAspect="1"/>
           </p:cNvPicPr>
@@ -3990,128 +4426,8 @@
         </p:blipFill>
         <p:spPr>
           <a:xfrm>
-            <a:off x="328970" y="1857548"/>
-            <a:ext cx="3233349" cy="1758488"/>
-          </a:xfrm>
-          <a:prstGeom prst="rect">
-            <a:avLst/>
-          </a:prstGeom>
-        </p:spPr>
-      </p:pic>
-      <p:pic>
-        <p:nvPicPr>
-          <p:cNvPr id="6" name="그림 5"/>
-          <p:cNvPicPr>
-            <a:picLocks noChangeAspect="1"/>
-          </p:cNvPicPr>
-          <p:nvPr/>
-        </p:nvPicPr>
-        <p:blipFill>
-          <a:blip r:embed="rId3"/>
-          <a:stretch>
-            <a:fillRect/>
-          </a:stretch>
-        </p:blipFill>
-        <p:spPr>
-          <a:xfrm>
-            <a:off x="3880831" y="1857548"/>
-            <a:ext cx="3033636" cy="486640"/>
-          </a:xfrm>
-          <a:prstGeom prst="rect">
-            <a:avLst/>
-          </a:prstGeom>
-        </p:spPr>
-      </p:pic>
-      <p:pic>
-        <p:nvPicPr>
-          <p:cNvPr id="8" name="그림 7"/>
-          <p:cNvPicPr>
-            <a:picLocks noChangeAspect="1"/>
-          </p:cNvPicPr>
-          <p:nvPr/>
-        </p:nvPicPr>
-        <p:blipFill>
-          <a:blip r:embed="rId4"/>
-          <a:stretch>
-            <a:fillRect/>
-          </a:stretch>
-        </p:blipFill>
-        <p:spPr>
-          <a:xfrm>
-            <a:off x="3880831" y="2344188"/>
-            <a:ext cx="3038874" cy="2286000"/>
-          </a:xfrm>
-          <a:prstGeom prst="rect">
-            <a:avLst/>
-          </a:prstGeom>
-        </p:spPr>
-      </p:pic>
-      <p:pic>
-        <p:nvPicPr>
-          <p:cNvPr id="9" name="그림 8"/>
-          <p:cNvPicPr>
-            <a:picLocks noChangeAspect="1"/>
-          </p:cNvPicPr>
-          <p:nvPr/>
-        </p:nvPicPr>
-        <p:blipFill>
-          <a:blip r:embed="rId5"/>
-          <a:stretch>
-            <a:fillRect/>
-          </a:stretch>
-        </p:blipFill>
-        <p:spPr>
-          <a:xfrm>
-            <a:off x="7005907" y="1857548"/>
-            <a:ext cx="4610250" cy="1372727"/>
-          </a:xfrm>
-          <a:prstGeom prst="rect">
-            <a:avLst/>
-          </a:prstGeom>
-        </p:spPr>
-      </p:pic>
-      <p:pic>
-        <p:nvPicPr>
-          <p:cNvPr id="10" name="그림 9"/>
-          <p:cNvPicPr>
-            <a:picLocks noChangeAspect="1"/>
-          </p:cNvPicPr>
-          <p:nvPr/>
-        </p:nvPicPr>
-        <p:blipFill>
-          <a:blip r:embed="rId6"/>
-          <a:stretch>
-            <a:fillRect/>
-          </a:stretch>
-        </p:blipFill>
-        <p:spPr>
-          <a:xfrm>
-            <a:off x="7321789" y="3336777"/>
-            <a:ext cx="3614139" cy="2049088"/>
-          </a:xfrm>
-          <a:prstGeom prst="rect">
-            <a:avLst/>
-          </a:prstGeom>
-        </p:spPr>
-      </p:pic>
-      <p:pic>
-        <p:nvPicPr>
-          <p:cNvPr id="3" name="그림 2"/>
-          <p:cNvPicPr>
-            <a:picLocks noChangeAspect="1"/>
-          </p:cNvPicPr>
-          <p:nvPr/>
-        </p:nvPicPr>
-        <p:blipFill>
-          <a:blip r:embed="rId7"/>
-          <a:stretch>
-            <a:fillRect/>
-          </a:stretch>
-        </p:blipFill>
-        <p:spPr>
-          <a:xfrm>
-            <a:off x="1227859" y="4803457"/>
-            <a:ext cx="2171700" cy="1457325"/>
+            <a:off x="661479" y="1902315"/>
+            <a:ext cx="5923206" cy="3974783"/>
           </a:xfrm>
           <a:prstGeom prst="rect">
             <a:avLst/>
@@ -4121,7 +4437,7 @@
     </p:spTree>
     <p:extLst>
       <p:ext uri="{BB962C8B-B14F-4D97-AF65-F5344CB8AC3E}">
-        <p14:creationId xmlns:p14="http://schemas.microsoft.com/office/powerpoint/2010/main" val="4210240901"/>
+        <p14:creationId xmlns:p14="http://schemas.microsoft.com/office/powerpoint/2010/main" val="3735034107"/>
       </p:ext>
     </p:extLst>
   </p:cSld>
@@ -4179,7 +4495,7 @@
           <a:p>
             <a:r>
               <a:rPr lang="en-US" altLang="ko-KR" sz="4800" dirty="0" smtClean="0"/>
-              <a:t>while</a:t>
+              <a:t>Function</a:t>
             </a:r>
             <a:endParaRPr lang="ko-KR" altLang="en-US" dirty="0"/>
           </a:p>
@@ -4187,7 +4503,7 @@
       </p:sp>
       <p:pic>
         <p:nvPicPr>
-          <p:cNvPr id="3" name="그림 2"/>
+          <p:cNvPr id="2" name="그림 1"/>
           <p:cNvPicPr>
             <a:picLocks noChangeAspect="1"/>
           </p:cNvPicPr>
@@ -4201,8 +4517,32 @@
         </p:blipFill>
         <p:spPr>
           <a:xfrm>
-            <a:off x="661479" y="1902315"/>
-            <a:ext cx="4035211" cy="2707839"/>
+            <a:off x="490537" y="1822045"/>
+            <a:ext cx="4997211" cy="2625263"/>
+          </a:xfrm>
+          <a:prstGeom prst="rect">
+            <a:avLst/>
+          </a:prstGeom>
+        </p:spPr>
+      </p:pic>
+      <p:pic>
+        <p:nvPicPr>
+          <p:cNvPr id="5" name="그림 4"/>
+          <p:cNvPicPr>
+            <a:picLocks noChangeAspect="1"/>
+          </p:cNvPicPr>
+          <p:nvPr/>
+        </p:nvPicPr>
+        <p:blipFill>
+          <a:blip r:embed="rId3"/>
+          <a:stretch>
+            <a:fillRect/>
+          </a:stretch>
+        </p:blipFill>
+        <p:spPr>
+          <a:xfrm>
+            <a:off x="5868265" y="1822045"/>
+            <a:ext cx="5771239" cy="2625263"/>
           </a:xfrm>
           <a:prstGeom prst="rect">
             <a:avLst/>
@@ -4212,7 +4552,7 @@
     </p:spTree>
     <p:extLst>
       <p:ext uri="{BB962C8B-B14F-4D97-AF65-F5344CB8AC3E}">
-        <p14:creationId xmlns:p14="http://schemas.microsoft.com/office/powerpoint/2010/main" val="3735034107"/>
+        <p14:creationId xmlns:p14="http://schemas.microsoft.com/office/powerpoint/2010/main" val="2634710537"/>
       </p:ext>
     </p:extLst>
   </p:cSld>
@@ -4232,14 +4572,6 @@
 <file path=ppt/slides/slide9.xml><?xml version="1.0" encoding="utf-8"?>
 <p:sld xmlns:a="http://schemas.openxmlformats.org/drawingml/2006/main" xmlns:r="http://schemas.openxmlformats.org/officeDocument/2006/relationships" xmlns:p="http://schemas.openxmlformats.org/presentationml/2006/main">
   <p:cSld>
-    <p:bg>
-      <p:bgPr>
-        <a:solidFill>
-          <a:schemeClr val="bg1"/>
-        </a:solidFill>
-        <a:effectLst/>
-      </p:bgPr>
-    </p:bg>
     <p:spTree>
       <p:nvGrpSpPr>
         <p:cNvPr id="1" name=""/>
@@ -4256,14 +4588,14 @@
       </p:grpSpPr>
       <p:sp>
         <p:nvSpPr>
-          <p:cNvPr id="2" name="TextBox 1"/>
+          <p:cNvPr id="4" name="TextBox 3"/>
           <p:cNvSpPr txBox="1"/>
           <p:nvPr/>
         </p:nvSpPr>
         <p:spPr>
           <a:xfrm>
-            <a:off x="496112" y="1391055"/>
-            <a:ext cx="11225718" cy="1200329"/>
+            <a:off x="553414" y="755928"/>
+            <a:ext cx="9377464" cy="830997"/>
           </a:xfrm>
           <a:prstGeom prst="rect">
             <a:avLst/>
@@ -4277,53 +4609,41 @@
           <a:lstStyle/>
           <a:p>
             <a:r>
-              <a:rPr lang="ko-KR" altLang="en-US" dirty="0" smtClean="0"/>
-              <a:t>참고 사이트 </a:t>
-            </a:r>
-            <a:endParaRPr lang="en-US" altLang="ko-KR" dirty="0" smtClean="0"/>
-          </a:p>
-          <a:p>
-            <a:endParaRPr lang="en-US" altLang="ko-KR" dirty="0" smtClean="0"/>
-          </a:p>
-          <a:p>
-            <a:r>
-              <a:rPr lang="en-US" altLang="ko-KR" b="1" dirty="0" smtClean="0">
-                <a:solidFill>
-                  <a:schemeClr val="bg1"/>
-                </a:solidFill>
-                <a:hlinkClick r:id="rId2"/>
-              </a:rPr>
-              <a:t>Three.js : https://threejs.org/</a:t>
-            </a:r>
-            <a:r>
-              <a:rPr lang="en-US" altLang="ko-KR" b="1" dirty="0">
-                <a:solidFill>
-                  <a:schemeClr val="bg1"/>
-                </a:solidFill>
-              </a:rPr>
-              <a:t> </a:t>
-            </a:r>
-            <a:endParaRPr lang="en-US" altLang="ko-KR" dirty="0"/>
-          </a:p>
-          <a:p>
-            <a:r>
-              <a:rPr lang="en-US" altLang="ko-KR" dirty="0" smtClean="0"/>
-              <a:t>MDN : </a:t>
-            </a:r>
-            <a:r>
-              <a:rPr lang="en-US" altLang="ko-KR" dirty="0" smtClean="0">
-                <a:hlinkClick r:id="rId3"/>
-              </a:rPr>
-              <a:t>https://developer.mozilla.org/enUS/docs/Learn/Getting_started_with_the_web/JavaScript_basics</a:t>
+              <a:rPr lang="en-US" altLang="ko-KR" sz="4800" dirty="0" smtClean="0"/>
+              <a:t>Inner Function(Closures) -1-</a:t>
             </a:r>
             <a:endParaRPr lang="ko-KR" altLang="en-US" dirty="0"/>
           </a:p>
         </p:txBody>
       </p:sp>
+      <p:pic>
+        <p:nvPicPr>
+          <p:cNvPr id="3" name="그림 2"/>
+          <p:cNvPicPr>
+            <a:picLocks noChangeAspect="1"/>
+          </p:cNvPicPr>
+          <p:nvPr/>
+        </p:nvPicPr>
+        <p:blipFill>
+          <a:blip r:embed="rId2"/>
+          <a:stretch>
+            <a:fillRect/>
+          </a:stretch>
+        </p:blipFill>
+        <p:spPr>
+          <a:xfrm>
+            <a:off x="553413" y="1917641"/>
+            <a:ext cx="8692092" cy="4267027"/>
+          </a:xfrm>
+          <a:prstGeom prst="rect">
+            <a:avLst/>
+          </a:prstGeom>
+        </p:spPr>
+      </p:pic>
     </p:spTree>
     <p:extLst>
       <p:ext uri="{BB962C8B-B14F-4D97-AF65-F5344CB8AC3E}">
-        <p14:creationId xmlns:p14="http://schemas.microsoft.com/office/powerpoint/2010/main" val="1120675895"/>
+        <p14:creationId xmlns:p14="http://schemas.microsoft.com/office/powerpoint/2010/main" val="868352814"/>
       </p:ext>
     </p:extLst>
   </p:cSld>
